--- a/Formation/PP1.pptx
+++ b/Formation/PP1.pptx
@@ -104,6 +104,11 @@
       </a:defRPr>
     </a:lvl9pPr>
   </p:defaultTextStyle>
+  <p:extLst>
+    <p:ext uri="{EFAFB233-063F-42B5-8137-9DF3F51BA10A}">
+      <p15:sldGuideLst xmlns:p15="http://schemas.microsoft.com/office/powerpoint/2012/main"/>
+    </p:ext>
+  </p:extLst>
 </p:presentation>
 </file>
 
@@ -490,7 +495,7 @@
           <a:p>
             <a:fld id="{B859547F-22A3-452C-AF79-F9C00786FCE9}" type="slidenum">
               <a:rPr lang="ar-SA" smtClean="0"/>
-              <a:t>‹#›</a:t>
+              <a:t>‹N°›</a:t>
             </a:fld>
             <a:endParaRPr lang="ar-SA"/>
           </a:p>
@@ -804,7 +809,7 @@
           <a:p>
             <a:fld id="{B859547F-22A3-452C-AF79-F9C00786FCE9}" type="slidenum">
               <a:rPr lang="ar-SA" smtClean="0"/>
-              <a:t>‹#›</a:t>
+              <a:t>‹N°›</a:t>
             </a:fld>
             <a:endParaRPr lang="ar-SA"/>
           </a:p>
@@ -1052,7 +1057,7 @@
           <a:p>
             <a:fld id="{B859547F-22A3-452C-AF79-F9C00786FCE9}" type="slidenum">
               <a:rPr lang="ar-SA" smtClean="0"/>
-              <a:t>‹#›</a:t>
+              <a:t>‹N°›</a:t>
             </a:fld>
             <a:endParaRPr lang="ar-SA"/>
           </a:p>
@@ -1391,7 +1396,7 @@
           <a:p>
             <a:fld id="{B859547F-22A3-452C-AF79-F9C00786FCE9}" type="slidenum">
               <a:rPr lang="ar-SA" smtClean="0"/>
-              <a:t>‹#›</a:t>
+              <a:t>‹N°›</a:t>
             </a:fld>
             <a:endParaRPr lang="ar-SA"/>
           </a:p>
@@ -1738,7 +1743,7 @@
           <a:p>
             <a:fld id="{B859547F-22A3-452C-AF79-F9C00786FCE9}" type="slidenum">
               <a:rPr lang="ar-SA" smtClean="0"/>
-              <a:t>‹#›</a:t>
+              <a:t>‹N°›</a:t>
             </a:fld>
             <a:endParaRPr lang="ar-SA"/>
           </a:p>
@@ -2112,7 +2117,7 @@
           <a:p>
             <a:fld id="{B859547F-22A3-452C-AF79-F9C00786FCE9}" type="slidenum">
               <a:rPr lang="ar-SA" smtClean="0"/>
-              <a:t>‹#›</a:t>
+              <a:t>‹N°›</a:t>
             </a:fld>
             <a:endParaRPr lang="ar-SA"/>
           </a:p>
@@ -2582,7 +2587,7 @@
           <a:p>
             <a:fld id="{B859547F-22A3-452C-AF79-F9C00786FCE9}" type="slidenum">
               <a:rPr lang="ar-SA" smtClean="0"/>
-              <a:t>‹#›</a:t>
+              <a:t>‹N°›</a:t>
             </a:fld>
             <a:endParaRPr lang="ar-SA"/>
           </a:p>
@@ -2787,7 +2792,7 @@
           <a:p>
             <a:fld id="{B859547F-22A3-452C-AF79-F9C00786FCE9}" type="slidenum">
               <a:rPr lang="ar-SA" smtClean="0"/>
-              <a:t>‹#›</a:t>
+              <a:t>‹N°›</a:t>
             </a:fld>
             <a:endParaRPr lang="ar-SA"/>
           </a:p>
@@ -2998,7 +3003,7 @@
           <a:p>
             <a:fld id="{B859547F-22A3-452C-AF79-F9C00786FCE9}" type="slidenum">
               <a:rPr lang="ar-SA" smtClean="0"/>
-              <a:t>‹#›</a:t>
+              <a:t>‹N°›</a:t>
             </a:fld>
             <a:endParaRPr lang="ar-SA"/>
           </a:p>
@@ -3230,7 +3235,7 @@
           <a:p>
             <a:fld id="{B859547F-22A3-452C-AF79-F9C00786FCE9}" type="slidenum">
               <a:rPr lang="ar-SA" smtClean="0"/>
-              <a:t>‹#›</a:t>
+              <a:t>‹N°›</a:t>
             </a:fld>
             <a:endParaRPr lang="ar-SA"/>
           </a:p>
@@ -3478,7 +3483,7 @@
           <a:p>
             <a:fld id="{B859547F-22A3-452C-AF79-F9C00786FCE9}" type="slidenum">
               <a:rPr lang="ar-SA" smtClean="0"/>
-              <a:t>‹#›</a:t>
+              <a:t>‹N°›</a:t>
             </a:fld>
             <a:endParaRPr lang="ar-SA"/>
           </a:p>
@@ -3776,7 +3781,7 @@
           <a:p>
             <a:fld id="{B859547F-22A3-452C-AF79-F9C00786FCE9}" type="slidenum">
               <a:rPr lang="ar-SA" smtClean="0"/>
-              <a:t>‹#›</a:t>
+              <a:t>‹N°›</a:t>
             </a:fld>
             <a:endParaRPr lang="ar-SA"/>
           </a:p>
@@ -4170,7 +4175,7 @@
           <a:p>
             <a:fld id="{B859547F-22A3-452C-AF79-F9C00786FCE9}" type="slidenum">
               <a:rPr lang="ar-SA" smtClean="0"/>
-              <a:t>‹#›</a:t>
+              <a:t>‹N°›</a:t>
             </a:fld>
             <a:endParaRPr lang="ar-SA"/>
           </a:p>
@@ -4319,7 +4324,7 @@
           <a:p>
             <a:fld id="{B859547F-22A3-452C-AF79-F9C00786FCE9}" type="slidenum">
               <a:rPr lang="ar-SA" smtClean="0"/>
-              <a:t>‹#›</a:t>
+              <a:t>‹N°›</a:t>
             </a:fld>
             <a:endParaRPr lang="ar-SA"/>
           </a:p>
@@ -4445,7 +4450,7 @@
           <a:p>
             <a:fld id="{B859547F-22A3-452C-AF79-F9C00786FCE9}" type="slidenum">
               <a:rPr lang="ar-SA" smtClean="0"/>
-              <a:t>‹#›</a:t>
+              <a:t>‹N°›</a:t>
             </a:fld>
             <a:endParaRPr lang="ar-SA"/>
           </a:p>
@@ -4700,7 +4705,7 @@
           <a:p>
             <a:fld id="{B859547F-22A3-452C-AF79-F9C00786FCE9}" type="slidenum">
               <a:rPr lang="ar-SA" smtClean="0"/>
-              <a:t>‹#›</a:t>
+              <a:t>‹N°›</a:t>
             </a:fld>
             <a:endParaRPr lang="ar-SA"/>
           </a:p>
@@ -5015,7 +5020,7 @@
           <a:p>
             <a:fld id="{B859547F-22A3-452C-AF79-F9C00786FCE9}" type="slidenum">
               <a:rPr lang="ar-SA" smtClean="0"/>
-              <a:t>‹#›</a:t>
+              <a:t>‹N°›</a:t>
             </a:fld>
             <a:endParaRPr lang="ar-SA"/>
           </a:p>
@@ -5402,7 +5407,7 @@
           <a:p>
             <a:fld id="{B859547F-22A3-452C-AF79-F9C00786FCE9}" type="slidenum">
               <a:rPr lang="ar-SA" smtClean="0"/>
-              <a:t>‹#›</a:t>
+              <a:t>‹N°›</a:t>
             </a:fld>
             <a:endParaRPr lang="ar-SA"/>
           </a:p>
@@ -5905,6 +5910,10 @@
           <a:bodyPr/>
           <a:lstStyle/>
           <a:p>
+            <a:r>
+              <a:rPr lang="fr-FR" smtClean="0"/>
+              <a:t>change</a:t>
+            </a:r>
             <a:endParaRPr lang="ar-SA"/>
           </a:p>
         </p:txBody>

--- a/Formation/PP1.pptx
+++ b/Formation/PP1.pptx
@@ -6,6 +6,7 @@
   </p:sldMasterIdLst>
   <p:sldIdLst>
     <p:sldId id="256" r:id="rId2"/>
+    <p:sldId id="257" r:id="rId3"/>
   </p:sldIdLst>
   <p:sldSz cx="12192000" cy="6858000"/>
   <p:notesSz cx="6858000" cy="9144000"/>
@@ -5931,6 +5932,82 @@
 </p:sld>
 </file>
 
+<file path=ppt/slides/slide2.xml><?xml version="1.0" encoding="utf-8"?>
+<p:sld xmlns:a="http://schemas.openxmlformats.org/drawingml/2006/main" xmlns:r="http://schemas.openxmlformats.org/officeDocument/2006/relationships" xmlns:p="http://schemas.openxmlformats.org/presentationml/2006/main">
+  <p:cSld>
+    <p:spTree>
+      <p:nvGrpSpPr>
+        <p:cNvPr id="1" name=""/>
+        <p:cNvGrpSpPr/>
+        <p:nvPr/>
+      </p:nvGrpSpPr>
+      <p:grpSpPr>
+        <a:xfrm>
+          <a:off x="0" y="0"/>
+          <a:ext cx="0" cy="0"/>
+          <a:chOff x="0" y="0"/>
+          <a:chExt cx="0" cy="0"/>
+        </a:xfrm>
+      </p:grpSpPr>
+      <p:sp>
+        <p:nvSpPr>
+          <p:cNvPr id="2" name="Titre 1"/>
+          <p:cNvSpPr>
+            <a:spLocks noGrp="1"/>
+          </p:cNvSpPr>
+          <p:nvPr>
+            <p:ph type="title"/>
+          </p:nvPr>
+        </p:nvSpPr>
+        <p:spPr/>
+        <p:txBody>
+          <a:bodyPr/>
+          <a:lstStyle/>
+          <a:p>
+            <a:r>
+              <a:rPr lang="fr-FR" dirty="0" err="1" smtClean="0"/>
+              <a:t>Kk,kl</a:t>
+            </a:r>
+            <a:endParaRPr lang="ar-DZ" dirty="0"/>
+          </a:p>
+        </p:txBody>
+      </p:sp>
+      <p:sp>
+        <p:nvSpPr>
+          <p:cNvPr id="3" name="Espace réservé du contenu 2"/>
+          <p:cNvSpPr>
+            <a:spLocks noGrp="1"/>
+          </p:cNvSpPr>
+          <p:nvPr>
+            <p:ph idx="1"/>
+          </p:nvPr>
+        </p:nvSpPr>
+        <p:spPr/>
+        <p:txBody>
+          <a:bodyPr/>
+          <a:lstStyle/>
+          <a:p>
+            <a:r>
+              <a:rPr lang="fr-FR" smtClean="0"/>
+              <a:t>lknhlk</a:t>
+            </a:r>
+            <a:endParaRPr lang="ar-DZ" dirty="0"/>
+          </a:p>
+        </p:txBody>
+      </p:sp>
+    </p:spTree>
+    <p:extLst>
+      <p:ext uri="{BB962C8B-B14F-4D97-AF65-F5344CB8AC3E}">
+        <p14:creationId xmlns:p14="http://schemas.microsoft.com/office/powerpoint/2010/main" val="3407067006"/>
+      </p:ext>
+    </p:extLst>
+  </p:cSld>
+  <p:clrMapOvr>
+    <a:masterClrMapping/>
+  </p:clrMapOvr>
+</p:sld>
+</file>
+
 <file path=ppt/theme/theme1.xml><?xml version="1.0" encoding="utf-8"?>
 <a:theme xmlns:a="http://schemas.openxmlformats.org/drawingml/2006/main" name="عضوي">
   <a:themeElements>

--- a/Formation/PP1.pptx
+++ b/Formation/PP1.pptx
@@ -7,6 +7,7 @@
   <p:sldIdLst>
     <p:sldId id="256" r:id="rId2"/>
     <p:sldId id="257" r:id="rId3"/>
+    <p:sldId id="258" r:id="rId4"/>
   </p:sldIdLst>
   <p:sldSz cx="12192000" cy="6858000"/>
   <p:notesSz cx="6858000" cy="9144000"/>
@@ -496,7 +497,7 @@
           <a:p>
             <a:fld id="{B859547F-22A3-452C-AF79-F9C00786FCE9}" type="slidenum">
               <a:rPr lang="ar-SA" smtClean="0"/>
-              <a:t>‹N°›</a:t>
+              <a:t>‹#›</a:t>
             </a:fld>
             <a:endParaRPr lang="ar-SA"/>
           </a:p>
@@ -810,7 +811,7 @@
           <a:p>
             <a:fld id="{B859547F-22A3-452C-AF79-F9C00786FCE9}" type="slidenum">
               <a:rPr lang="ar-SA" smtClean="0"/>
-              <a:t>‹N°›</a:t>
+              <a:t>‹#›</a:t>
             </a:fld>
             <a:endParaRPr lang="ar-SA"/>
           </a:p>
@@ -1058,7 +1059,7 @@
           <a:p>
             <a:fld id="{B859547F-22A3-452C-AF79-F9C00786FCE9}" type="slidenum">
               <a:rPr lang="ar-SA" smtClean="0"/>
-              <a:t>‹N°›</a:t>
+              <a:t>‹#›</a:t>
             </a:fld>
             <a:endParaRPr lang="ar-SA"/>
           </a:p>
@@ -1397,7 +1398,7 @@
           <a:p>
             <a:fld id="{B859547F-22A3-452C-AF79-F9C00786FCE9}" type="slidenum">
               <a:rPr lang="ar-SA" smtClean="0"/>
-              <a:t>‹N°›</a:t>
+              <a:t>‹#›</a:t>
             </a:fld>
             <a:endParaRPr lang="ar-SA"/>
           </a:p>
@@ -1744,7 +1745,7 @@
           <a:p>
             <a:fld id="{B859547F-22A3-452C-AF79-F9C00786FCE9}" type="slidenum">
               <a:rPr lang="ar-SA" smtClean="0"/>
-              <a:t>‹N°›</a:t>
+              <a:t>‹#›</a:t>
             </a:fld>
             <a:endParaRPr lang="ar-SA"/>
           </a:p>
@@ -2118,7 +2119,7 @@
           <a:p>
             <a:fld id="{B859547F-22A3-452C-AF79-F9C00786FCE9}" type="slidenum">
               <a:rPr lang="ar-SA" smtClean="0"/>
-              <a:t>‹N°›</a:t>
+              <a:t>‹#›</a:t>
             </a:fld>
             <a:endParaRPr lang="ar-SA"/>
           </a:p>
@@ -2588,7 +2589,7 @@
           <a:p>
             <a:fld id="{B859547F-22A3-452C-AF79-F9C00786FCE9}" type="slidenum">
               <a:rPr lang="ar-SA" smtClean="0"/>
-              <a:t>‹N°›</a:t>
+              <a:t>‹#›</a:t>
             </a:fld>
             <a:endParaRPr lang="ar-SA"/>
           </a:p>
@@ -2793,7 +2794,7 @@
           <a:p>
             <a:fld id="{B859547F-22A3-452C-AF79-F9C00786FCE9}" type="slidenum">
               <a:rPr lang="ar-SA" smtClean="0"/>
-              <a:t>‹N°›</a:t>
+              <a:t>‹#›</a:t>
             </a:fld>
             <a:endParaRPr lang="ar-SA"/>
           </a:p>
@@ -3004,7 +3005,7 @@
           <a:p>
             <a:fld id="{B859547F-22A3-452C-AF79-F9C00786FCE9}" type="slidenum">
               <a:rPr lang="ar-SA" smtClean="0"/>
-              <a:t>‹N°›</a:t>
+              <a:t>‹#›</a:t>
             </a:fld>
             <a:endParaRPr lang="ar-SA"/>
           </a:p>
@@ -3236,7 +3237,7 @@
           <a:p>
             <a:fld id="{B859547F-22A3-452C-AF79-F9C00786FCE9}" type="slidenum">
               <a:rPr lang="ar-SA" smtClean="0"/>
-              <a:t>‹N°›</a:t>
+              <a:t>‹#›</a:t>
             </a:fld>
             <a:endParaRPr lang="ar-SA"/>
           </a:p>
@@ -3484,7 +3485,7 @@
           <a:p>
             <a:fld id="{B859547F-22A3-452C-AF79-F9C00786FCE9}" type="slidenum">
               <a:rPr lang="ar-SA" smtClean="0"/>
-              <a:t>‹N°›</a:t>
+              <a:t>‹#›</a:t>
             </a:fld>
             <a:endParaRPr lang="ar-SA"/>
           </a:p>
@@ -3782,7 +3783,7 @@
           <a:p>
             <a:fld id="{B859547F-22A3-452C-AF79-F9C00786FCE9}" type="slidenum">
               <a:rPr lang="ar-SA" smtClean="0"/>
-              <a:t>‹N°›</a:t>
+              <a:t>‹#›</a:t>
             </a:fld>
             <a:endParaRPr lang="ar-SA"/>
           </a:p>
@@ -4176,7 +4177,7 @@
           <a:p>
             <a:fld id="{B859547F-22A3-452C-AF79-F9C00786FCE9}" type="slidenum">
               <a:rPr lang="ar-SA" smtClean="0"/>
-              <a:t>‹N°›</a:t>
+              <a:t>‹#›</a:t>
             </a:fld>
             <a:endParaRPr lang="ar-SA"/>
           </a:p>
@@ -4325,7 +4326,7 @@
           <a:p>
             <a:fld id="{B859547F-22A3-452C-AF79-F9C00786FCE9}" type="slidenum">
               <a:rPr lang="ar-SA" smtClean="0"/>
-              <a:t>‹N°›</a:t>
+              <a:t>‹#›</a:t>
             </a:fld>
             <a:endParaRPr lang="ar-SA"/>
           </a:p>
@@ -4451,7 +4452,7 @@
           <a:p>
             <a:fld id="{B859547F-22A3-452C-AF79-F9C00786FCE9}" type="slidenum">
               <a:rPr lang="ar-SA" smtClean="0"/>
-              <a:t>‹N°›</a:t>
+              <a:t>‹#›</a:t>
             </a:fld>
             <a:endParaRPr lang="ar-SA"/>
           </a:p>
@@ -4706,7 +4707,7 @@
           <a:p>
             <a:fld id="{B859547F-22A3-452C-AF79-F9C00786FCE9}" type="slidenum">
               <a:rPr lang="ar-SA" smtClean="0"/>
-              <a:t>‹N°›</a:t>
+              <a:t>‹#›</a:t>
             </a:fld>
             <a:endParaRPr lang="ar-SA"/>
           </a:p>
@@ -5021,7 +5022,7 @@
           <a:p>
             <a:fld id="{B859547F-22A3-452C-AF79-F9C00786FCE9}" type="slidenum">
               <a:rPr lang="ar-SA" smtClean="0"/>
-              <a:t>‹N°›</a:t>
+              <a:t>‹#›</a:t>
             </a:fld>
             <a:endParaRPr lang="ar-SA"/>
           </a:p>
@@ -5408,7 +5409,7 @@
           <a:p>
             <a:fld id="{B859547F-22A3-452C-AF79-F9C00786FCE9}" type="slidenum">
               <a:rPr lang="ar-SA" smtClean="0"/>
-              <a:t>‹N°›</a:t>
+              <a:t>‹#›</a:t>
             </a:fld>
             <a:endParaRPr lang="ar-SA"/>
           </a:p>
@@ -6008,6 +6009,91 @@
 </p:sld>
 </file>
 
+<file path=ppt/slides/slide3.xml><?xml version="1.0" encoding="utf-8"?>
+<p:sld xmlns:a="http://schemas.openxmlformats.org/drawingml/2006/main" xmlns:r="http://schemas.openxmlformats.org/officeDocument/2006/relationships" xmlns:p="http://schemas.openxmlformats.org/presentationml/2006/main">
+  <p:cSld>
+    <p:spTree>
+      <p:nvGrpSpPr>
+        <p:cNvPr id="1" name=""/>
+        <p:cNvGrpSpPr/>
+        <p:nvPr/>
+      </p:nvGrpSpPr>
+      <p:grpSpPr>
+        <a:xfrm>
+          <a:off x="0" y="0"/>
+          <a:ext cx="0" cy="0"/>
+          <a:chOff x="0" y="0"/>
+          <a:chExt cx="0" cy="0"/>
+        </a:xfrm>
+      </p:grpSpPr>
+      <p:sp>
+        <p:nvSpPr>
+          <p:cNvPr id="2" name="عنوان 1"/>
+          <p:cNvSpPr>
+            <a:spLocks noGrp="1"/>
+          </p:cNvSpPr>
+          <p:nvPr>
+            <p:ph type="title"/>
+          </p:nvPr>
+        </p:nvSpPr>
+        <p:spPr/>
+        <p:txBody>
+          <a:bodyPr>
+            <a:normAutofit fontScale="90000"/>
+          </a:bodyPr>
+          <a:lstStyle/>
+          <a:p>
+            <a:r>
+              <a:rPr lang="fr-FR" dirty="0" err="1" smtClean="0"/>
+              <a:t>Ghj</a:t>
+            </a:r>
+            <a:r>
+              <a:rPr lang="fr-FR" dirty="0" smtClean="0"/>
+              <a:t/>
+            </a:r>
+            <a:br>
+              <a:rPr lang="fr-FR" dirty="0" smtClean="0"/>
+            </a:br>
+            <a:r>
+              <a:rPr lang="fr-FR" smtClean="0"/>
+              <a:t>kbl</a:t>
+            </a:r>
+            <a:endParaRPr lang="ar-SA"/>
+          </a:p>
+        </p:txBody>
+      </p:sp>
+      <p:sp>
+        <p:nvSpPr>
+          <p:cNvPr id="3" name="عنصر نائب للمحتوى 2"/>
+          <p:cNvSpPr>
+            <a:spLocks noGrp="1"/>
+          </p:cNvSpPr>
+          <p:nvPr>
+            <p:ph idx="1"/>
+          </p:nvPr>
+        </p:nvSpPr>
+        <p:spPr/>
+        <p:txBody>
+          <a:bodyPr/>
+          <a:lstStyle/>
+          <a:p>
+            <a:endParaRPr lang="ar-SA"/>
+          </a:p>
+        </p:txBody>
+      </p:sp>
+    </p:spTree>
+    <p:extLst>
+      <p:ext uri="{BB962C8B-B14F-4D97-AF65-F5344CB8AC3E}">
+        <p14:creationId xmlns:p14="http://schemas.microsoft.com/office/powerpoint/2010/main" val="32944467"/>
+      </p:ext>
+    </p:extLst>
+  </p:cSld>
+  <p:clrMapOvr>
+    <a:masterClrMapping/>
+  </p:clrMapOvr>
+</p:sld>
+</file>
+
 <file path=ppt/theme/theme1.xml><?xml version="1.0" encoding="utf-8"?>
 <a:theme xmlns:a="http://schemas.openxmlformats.org/drawingml/2006/main" name="عضوي">
   <a:themeElements>
